--- a/25 - Event Capture, Propagation, Bubbling and Once/Description.pptx
+++ b/25 - Event Capture, Propagation, Bubbling and Once/Description.pptx
@@ -202,7 +202,7 @@
           <a:p>
             <a:fld id="{0C87EFF6-E52D-4F31-9BAF-F6F577E8B66E}" type="datetimeFigureOut">
               <a:rPr lang="ko-KR" altLang="en-US" smtClean="0"/>
-              <a:t>2020-04-08</a:t>
+              <a:t>2020-04-22</a:t>
             </a:fld>
             <a:endParaRPr lang="ko-KR" altLang="en-US"/>
           </a:p>
@@ -868,7 +868,7 @@
           <a:p>
             <a:fld id="{F6A943B9-3DDC-4480-9F2E-621F533D3898}" type="datetimeFigureOut">
               <a:rPr lang="ko-KR" altLang="en-US" smtClean="0"/>
-              <a:t>2020-04-08</a:t>
+              <a:t>2020-04-22</a:t>
             </a:fld>
             <a:endParaRPr lang="ko-KR" altLang="en-US"/>
           </a:p>
@@ -1066,7 +1066,7 @@
           <a:p>
             <a:fld id="{F6A943B9-3DDC-4480-9F2E-621F533D3898}" type="datetimeFigureOut">
               <a:rPr lang="ko-KR" altLang="en-US" smtClean="0"/>
-              <a:t>2020-04-08</a:t>
+              <a:t>2020-04-22</a:t>
             </a:fld>
             <a:endParaRPr lang="ko-KR" altLang="en-US"/>
           </a:p>
@@ -1274,7 +1274,7 @@
           <a:p>
             <a:fld id="{F6A943B9-3DDC-4480-9F2E-621F533D3898}" type="datetimeFigureOut">
               <a:rPr lang="ko-KR" altLang="en-US" smtClean="0"/>
-              <a:t>2020-04-08</a:t>
+              <a:t>2020-04-22</a:t>
             </a:fld>
             <a:endParaRPr lang="ko-KR" altLang="en-US"/>
           </a:p>
@@ -1472,7 +1472,7 @@
           <a:p>
             <a:fld id="{F6A943B9-3DDC-4480-9F2E-621F533D3898}" type="datetimeFigureOut">
               <a:rPr lang="ko-KR" altLang="en-US" smtClean="0"/>
-              <a:t>2020-04-08</a:t>
+              <a:t>2020-04-22</a:t>
             </a:fld>
             <a:endParaRPr lang="ko-KR" altLang="en-US"/>
           </a:p>
@@ -1747,7 +1747,7 @@
           <a:p>
             <a:fld id="{F6A943B9-3DDC-4480-9F2E-621F533D3898}" type="datetimeFigureOut">
               <a:rPr lang="ko-KR" altLang="en-US" smtClean="0"/>
-              <a:t>2020-04-08</a:t>
+              <a:t>2020-04-22</a:t>
             </a:fld>
             <a:endParaRPr lang="ko-KR" altLang="en-US"/>
           </a:p>
@@ -2012,7 +2012,7 @@
           <a:p>
             <a:fld id="{F6A943B9-3DDC-4480-9F2E-621F533D3898}" type="datetimeFigureOut">
               <a:rPr lang="ko-KR" altLang="en-US" smtClean="0"/>
-              <a:t>2020-04-08</a:t>
+              <a:t>2020-04-22</a:t>
             </a:fld>
             <a:endParaRPr lang="ko-KR" altLang="en-US"/>
           </a:p>
@@ -2424,7 +2424,7 @@
           <a:p>
             <a:fld id="{F6A943B9-3DDC-4480-9F2E-621F533D3898}" type="datetimeFigureOut">
               <a:rPr lang="ko-KR" altLang="en-US" smtClean="0"/>
-              <a:t>2020-04-08</a:t>
+              <a:t>2020-04-22</a:t>
             </a:fld>
             <a:endParaRPr lang="ko-KR" altLang="en-US"/>
           </a:p>
@@ -2565,7 +2565,7 @@
           <a:p>
             <a:fld id="{F6A943B9-3DDC-4480-9F2E-621F533D3898}" type="datetimeFigureOut">
               <a:rPr lang="ko-KR" altLang="en-US" smtClean="0"/>
-              <a:t>2020-04-08</a:t>
+              <a:t>2020-04-22</a:t>
             </a:fld>
             <a:endParaRPr lang="ko-KR" altLang="en-US"/>
           </a:p>
@@ -2678,7 +2678,7 @@
           <a:p>
             <a:fld id="{F6A943B9-3DDC-4480-9F2E-621F533D3898}" type="datetimeFigureOut">
               <a:rPr lang="ko-KR" altLang="en-US" smtClean="0"/>
-              <a:t>2020-04-08</a:t>
+              <a:t>2020-04-22</a:t>
             </a:fld>
             <a:endParaRPr lang="ko-KR" altLang="en-US"/>
           </a:p>
@@ -2989,7 +2989,7 @@
           <a:p>
             <a:fld id="{F6A943B9-3DDC-4480-9F2E-621F533D3898}" type="datetimeFigureOut">
               <a:rPr lang="ko-KR" altLang="en-US" smtClean="0"/>
-              <a:t>2020-04-08</a:t>
+              <a:t>2020-04-22</a:t>
             </a:fld>
             <a:endParaRPr lang="ko-KR" altLang="en-US"/>
           </a:p>
@@ -3277,7 +3277,7 @@
           <a:p>
             <a:fld id="{F6A943B9-3DDC-4480-9F2E-621F533D3898}" type="datetimeFigureOut">
               <a:rPr lang="ko-KR" altLang="en-US" smtClean="0"/>
-              <a:t>2020-04-08</a:t>
+              <a:t>2020-04-22</a:t>
             </a:fld>
             <a:endParaRPr lang="ko-KR" altLang="en-US"/>
           </a:p>
@@ -3518,7 +3518,7 @@
           <a:p>
             <a:fld id="{F6A943B9-3DDC-4480-9F2E-621F533D3898}" type="datetimeFigureOut">
               <a:rPr lang="ko-KR" altLang="en-US" smtClean="0"/>
-              <a:t>2020-04-08</a:t>
+              <a:t>2020-04-22</a:t>
             </a:fld>
             <a:endParaRPr lang="ko-KR" altLang="en-US"/>
           </a:p>
@@ -4386,88 +4386,109 @@
           </a:p>
         </p:txBody>
       </p:sp>
-      <p:pic>
-        <p:nvPicPr>
-          <p:cNvPr id="33" name="그림 32">
-            <a:extLst>
-              <a:ext uri="{FF2B5EF4-FFF2-40B4-BE49-F238E27FC236}">
-                <a16:creationId xmlns:a16="http://schemas.microsoft.com/office/drawing/2014/main" id="{CDFA68D1-FC03-4202-B552-7BF35A0C0F84}"/>
-              </a:ext>
-            </a:extLst>
-          </p:cNvPr>
-          <p:cNvPicPr>
-            <a:picLocks noChangeAspect="1"/>
-          </p:cNvPicPr>
+      <p:grpSp>
+        <p:nvGrpSpPr>
+          <p:cNvPr id="8" name="그룹 7">
+            <a:extLst>
+              <a:ext uri="{FF2B5EF4-FFF2-40B4-BE49-F238E27FC236}">
+                <a16:creationId xmlns:a16="http://schemas.microsoft.com/office/drawing/2014/main" id="{253A5F98-6D9D-452B-8F93-A434D387AB5A}"/>
+              </a:ext>
+            </a:extLst>
+          </p:cNvPr>
+          <p:cNvGrpSpPr/>
           <p:nvPr/>
-        </p:nvPicPr>
-        <p:blipFill>
-          <a:blip r:embed="rId5"/>
-          <a:stretch>
-            <a:fillRect/>
-          </a:stretch>
-        </p:blipFill>
-        <p:spPr>
+        </p:nvGrpSpPr>
+        <p:grpSpPr>
           <a:xfrm>
-            <a:off x="90296" y="1615068"/>
-            <a:ext cx="5553075" cy="285750"/>
-          </a:xfrm>
-          <a:prstGeom prst="rect">
-            <a:avLst/>
-          </a:prstGeom>
-        </p:spPr>
-      </p:pic>
-      <p:sp>
-        <p:nvSpPr>
-          <p:cNvPr id="34" name="직사각형 33">
-            <a:extLst>
-              <a:ext uri="{FF2B5EF4-FFF2-40B4-BE49-F238E27FC236}">
-                <a16:creationId xmlns:a16="http://schemas.microsoft.com/office/drawing/2014/main" id="{51852419-D264-4970-B8AC-5510D43634A8}"/>
-              </a:ext>
-            </a:extLst>
-          </p:cNvPr>
-          <p:cNvSpPr/>
-          <p:nvPr/>
-        </p:nvSpPr>
-        <p:spPr>
-          <a:xfrm>
-            <a:off x="90295" y="1614086"/>
-            <a:ext cx="4438693" cy="285750"/>
-          </a:xfrm>
-          <a:prstGeom prst="rect">
-            <a:avLst/>
-          </a:prstGeom>
-          <a:noFill/>
-          <a:ln w="57150">
-            <a:solidFill>
-              <a:srgbClr val="C00000"/>
-            </a:solidFill>
-          </a:ln>
-        </p:spPr>
-        <p:style>
-          <a:lnRef idx="2">
-            <a:schemeClr val="accent1">
-              <a:shade val="50000"/>
-            </a:schemeClr>
-          </a:lnRef>
-          <a:fillRef idx="1">
-            <a:schemeClr val="accent1"/>
-          </a:fillRef>
-          <a:effectRef idx="0">
-            <a:schemeClr val="accent1"/>
-          </a:effectRef>
-          <a:fontRef idx="minor">
-            <a:schemeClr val="lt1"/>
-          </a:fontRef>
-        </p:style>
-        <p:txBody>
-          <a:bodyPr rtlCol="0" anchor="ctr"/>
-          <a:lstStyle/>
-          <a:p>
-            <a:pPr algn="ctr"/>
-            <a:endParaRPr lang="ko-KR" altLang="en-US" dirty="0"/>
-          </a:p>
-        </p:txBody>
-      </p:sp>
+            <a:off x="454280" y="1614086"/>
+            <a:ext cx="5553076" cy="286732"/>
+            <a:chOff x="90295" y="1614086"/>
+            <a:chExt cx="5553076" cy="286732"/>
+          </a:xfrm>
+        </p:grpSpPr>
+        <p:pic>
+          <p:nvPicPr>
+            <p:cNvPr id="33" name="그림 32">
+              <a:extLst>
+                <a:ext uri="{FF2B5EF4-FFF2-40B4-BE49-F238E27FC236}">
+                  <a16:creationId xmlns:a16="http://schemas.microsoft.com/office/drawing/2014/main" id="{CDFA68D1-FC03-4202-B552-7BF35A0C0F84}"/>
+                </a:ext>
+              </a:extLst>
+            </p:cNvPr>
+            <p:cNvPicPr>
+              <a:picLocks noChangeAspect="1"/>
+            </p:cNvPicPr>
+            <p:nvPr/>
+          </p:nvPicPr>
+          <p:blipFill>
+            <a:blip r:embed="rId5"/>
+            <a:stretch>
+              <a:fillRect/>
+            </a:stretch>
+          </p:blipFill>
+          <p:spPr>
+            <a:xfrm>
+              <a:off x="90296" y="1615068"/>
+              <a:ext cx="5553075" cy="285750"/>
+            </a:xfrm>
+            <a:prstGeom prst="rect">
+              <a:avLst/>
+            </a:prstGeom>
+          </p:spPr>
+        </p:pic>
+        <p:sp>
+          <p:nvSpPr>
+            <p:cNvPr id="34" name="직사각형 33">
+              <a:extLst>
+                <a:ext uri="{FF2B5EF4-FFF2-40B4-BE49-F238E27FC236}">
+                  <a16:creationId xmlns:a16="http://schemas.microsoft.com/office/drawing/2014/main" id="{51852419-D264-4970-B8AC-5510D43634A8}"/>
+                </a:ext>
+              </a:extLst>
+            </p:cNvPr>
+            <p:cNvSpPr/>
+            <p:nvPr/>
+          </p:nvSpPr>
+          <p:spPr>
+            <a:xfrm>
+              <a:off x="90295" y="1614086"/>
+              <a:ext cx="4438693" cy="285750"/>
+            </a:xfrm>
+            <a:prstGeom prst="rect">
+              <a:avLst/>
+            </a:prstGeom>
+            <a:noFill/>
+            <a:ln w="57150">
+              <a:solidFill>
+                <a:srgbClr val="C00000"/>
+              </a:solidFill>
+            </a:ln>
+          </p:spPr>
+          <p:style>
+            <a:lnRef idx="2">
+              <a:schemeClr val="accent1">
+                <a:shade val="50000"/>
+              </a:schemeClr>
+            </a:lnRef>
+            <a:fillRef idx="1">
+              <a:schemeClr val="accent1"/>
+            </a:fillRef>
+            <a:effectRef idx="0">
+              <a:schemeClr val="accent1"/>
+            </a:effectRef>
+            <a:fontRef idx="minor">
+              <a:schemeClr val="lt1"/>
+            </a:fontRef>
+          </p:style>
+          <p:txBody>
+            <a:bodyPr rtlCol="0" anchor="ctr"/>
+            <a:lstStyle/>
+            <a:p>
+              <a:pPr algn="ctr"/>
+              <a:endParaRPr lang="ko-KR" altLang="en-US" dirty="0"/>
+            </a:p>
+          </p:txBody>
+        </p:sp>
+      </p:grpSp>
     </p:spTree>
     <p:extLst>
       <p:ext uri="{BB962C8B-B14F-4D97-AF65-F5344CB8AC3E}">
